--- a/Project/Project-Explain/LeventDurdali-21702600-C_Sharp_Project.pptx
+++ b/Project/Project-Explain/LeventDurdali-21702600-C_Sharp_Project.pptx
@@ -4241,7 +4241,7 @@
           <a:p>
             <a:fld id="{E75C0D72-441E-4EC5-816D-63B99215A082}" type="datetimeFigureOut">
               <a:rPr lang="en-US" smtClean="0"/>
-              <a:t>5/9/2021</a:t>
+              <a:t>5/12/2021</a:t>
             </a:fld>
             <a:endParaRPr lang="en-US" dirty="0"/>
           </a:p>
@@ -5010,7 +5010,7 @@
           <a:p>
             <a:fld id="{FD8B4248-E988-48B6-AEB9-111D3335ECA5}" type="datetime1">
               <a:rPr lang="en-US" smtClean="0"/>
-              <a:t>5/9/2021</a:t>
+              <a:t>5/12/2021</a:t>
             </a:fld>
             <a:endParaRPr lang="en-US" dirty="0"/>
           </a:p>
@@ -5305,7 +5305,7 @@
           <a:p>
             <a:fld id="{5621287D-67DF-4B70-9BA1-F097EF2E6E11}" type="datetime1">
               <a:rPr lang="en-US" smtClean="0"/>
-              <a:t>5/9/2021</a:t>
+              <a:t>5/12/2021</a:t>
             </a:fld>
             <a:endParaRPr lang="en-US" dirty="0"/>
           </a:p>
@@ -5553,7 +5553,7 @@
           <a:p>
             <a:fld id="{DCA9C9DB-1E08-4C15-897B-A0E60674CE92}" type="datetime1">
               <a:rPr lang="en-US" smtClean="0"/>
-              <a:t>5/9/2021</a:t>
+              <a:t>5/12/2021</a:t>
             </a:fld>
             <a:endParaRPr lang="en-US" dirty="0"/>
           </a:p>
@@ -6093,7 +6093,7 @@
           <a:p>
             <a:fld id="{F67DC3CE-9BF9-43F0-80AC-AFFD40B50B73}" type="datetime1">
               <a:rPr lang="en-US" smtClean="0"/>
-              <a:t>5/9/2021</a:t>
+              <a:t>5/12/2021</a:t>
             </a:fld>
             <a:endParaRPr lang="en-US" dirty="0"/>
           </a:p>
@@ -6341,7 +6341,7 @@
           <a:p>
             <a:fld id="{18CB86DA-AA9A-4E7D-90D1-58476F4A6CA0}" type="datetime1">
               <a:rPr lang="en-US" smtClean="0"/>
-              <a:t>5/9/2021</a:t>
+              <a:t>5/12/2021</a:t>
             </a:fld>
             <a:endParaRPr lang="en-US" dirty="0"/>
           </a:p>
@@ -6873,7 +6873,7 @@
           <a:p>
             <a:fld id="{23ACF75C-04C3-49DE-9435-09F93B31AA1D}" type="datetime1">
               <a:rPr lang="en-US" smtClean="0"/>
-              <a:t>5/9/2021</a:t>
+              <a:t>5/12/2021</a:t>
             </a:fld>
             <a:endParaRPr lang="en-US" dirty="0"/>
           </a:p>
@@ -7170,7 +7170,7 @@
           <a:p>
             <a:fld id="{EE8CAAF0-B4E7-4521-A11E-BF2261459ADA}" type="datetime1">
               <a:rPr lang="en-US" smtClean="0"/>
-              <a:t>5/9/2021</a:t>
+              <a:t>5/12/2021</a:t>
             </a:fld>
             <a:endParaRPr lang="en-US" dirty="0"/>
           </a:p>
@@ -7344,7 +7344,7 @@
           <a:p>
             <a:fld id="{BF4AC303-E5DF-4B36-97E0-A43C9BDB719B}" type="datetime1">
               <a:rPr lang="en-US" smtClean="0"/>
-              <a:t>5/9/2021</a:t>
+              <a:t>5/12/2021</a:t>
             </a:fld>
             <a:endParaRPr lang="en-US" dirty="0"/>
           </a:p>
@@ -7524,7 +7524,7 @@
           <a:p>
             <a:fld id="{687B39AF-54E4-4913-90B9-8D9A0C31177A}" type="datetime1">
               <a:rPr lang="en-US" smtClean="0"/>
-              <a:t>5/9/2021</a:t>
+              <a:t>5/12/2021</a:t>
             </a:fld>
             <a:endParaRPr lang="en-US" dirty="0"/>
           </a:p>
@@ -7735,7 +7735,7 @@
           <a:p>
             <a:fld id="{2100F646-AFFB-4C93-B74F-6F1CC20E896F}" type="datetime1">
               <a:rPr lang="en-US" smtClean="0"/>
-              <a:t>5/9/2021</a:t>
+              <a:t>5/12/2021</a:t>
             </a:fld>
             <a:endParaRPr lang="en-US" dirty="0"/>
           </a:p>
@@ -7986,7 +7986,7 @@
           <a:p>
             <a:fld id="{B22EBBB0-D89D-4203-8465-28B2083DC807}" type="datetime1">
               <a:rPr lang="en-US" smtClean="0"/>
-              <a:t>5/9/2021</a:t>
+              <a:t>5/12/2021</a:t>
             </a:fld>
             <a:endParaRPr lang="en-US" dirty="0"/>
           </a:p>
@@ -8333,7 +8333,7 @@
           <a:p>
             <a:fld id="{D7BAB193-D08C-44F4-B881-DEE05F8A8A24}" type="datetime1">
               <a:rPr lang="en-US" smtClean="0"/>
-              <a:t>5/9/2021</a:t>
+              <a:t>5/12/2021</a:t>
             </a:fld>
             <a:endParaRPr lang="en-US" dirty="0"/>
           </a:p>
@@ -8825,7 +8825,7 @@
           <a:p>
             <a:fld id="{3470490D-708C-4268-9A56-964426AC246E}" type="datetime1">
               <a:rPr lang="en-US" smtClean="0"/>
-              <a:t>5/9/2021</a:t>
+              <a:t>5/12/2021</a:t>
             </a:fld>
             <a:endParaRPr lang="en-US" dirty="0"/>
           </a:p>
@@ -8943,7 +8943,7 @@
           <a:p>
             <a:fld id="{CF8EFE13-AB64-42FB-9EC7-BB61EA5EA8D2}" type="datetime1">
               <a:rPr lang="en-US" smtClean="0"/>
-              <a:t>5/9/2021</a:t>
+              <a:t>5/12/2021</a:t>
             </a:fld>
             <a:endParaRPr lang="en-US" dirty="0"/>
           </a:p>
@@ -9038,7 +9038,7 @@
           <a:p>
             <a:fld id="{098699FF-4205-4A48-A080-884315E265A9}" type="datetime1">
               <a:rPr lang="en-US" smtClean="0"/>
-              <a:t>5/9/2021</a:t>
+              <a:t>5/12/2021</a:t>
             </a:fld>
             <a:endParaRPr lang="en-US" dirty="0"/>
           </a:p>
@@ -9321,7 +9321,7 @@
           <a:p>
             <a:fld id="{FB99B02D-A257-4D20-80E0-C95245B44FF0}" type="datetime1">
               <a:rPr lang="en-US" smtClean="0"/>
-              <a:t>5/9/2021</a:t>
+              <a:t>5/12/2021</a:t>
             </a:fld>
             <a:endParaRPr lang="en-US" dirty="0"/>
           </a:p>
@@ -9611,7 +9611,7 @@
           <a:p>
             <a:fld id="{45DE8479-CDD4-4BA8-ABC2-1B3D81643C8E}" type="datetime1">
               <a:rPr lang="en-US" smtClean="0"/>
-              <a:t>5/9/2021</a:t>
+              <a:t>5/12/2021</a:t>
             </a:fld>
             <a:endParaRPr lang="en-US" dirty="0"/>
           </a:p>
@@ -10141,7 +10141,7 @@
           <a:p>
             <a:fld id="{2279969E-6996-4C5E-A20E-ACD8692268B1}" type="datetime1">
               <a:rPr lang="en-US" smtClean="0"/>
-              <a:t>5/9/2021</a:t>
+              <a:t>5/12/2021</a:t>
             </a:fld>
             <a:endParaRPr lang="en-US" dirty="0"/>
           </a:p>
@@ -32183,12 +32183,20 @@
               <a:t>Server Example Explanation </a:t>
             </a:r>
             <a:r>
-              <a:rPr lang="tr-TR" sz="4000" b="0" dirty="0">
-                <a:effectLst/>
-                <a:latin typeface="Calibri" panose="020F0502020204030204" pitchFamily="34" charset="0"/>
-                <a:cs typeface="Calibri" panose="020F0502020204030204" pitchFamily="34" charset="0"/>
-              </a:rPr>
-              <a:t>ProcessClientRequests</a:t>
+              <a:rPr lang="en-US" sz="4000" b="0" dirty="0">
+                <a:effectLst/>
+                <a:latin typeface="Calibri" panose="020F0502020204030204" pitchFamily="34" charset="0"/>
+                <a:cs typeface="Calibri" panose="020F0502020204030204" pitchFamily="34" charset="0"/>
+              </a:rPr>
+              <a:t>new</a:t>
+            </a:r>
+            <a:r>
+              <a:rPr lang="tr-TR" sz="4000" b="0" dirty="0" err="1">
+                <a:effectLst/>
+                <a:latin typeface="Calibri" panose="020F0502020204030204" pitchFamily="34" charset="0"/>
+                <a:cs typeface="Calibri" panose="020F0502020204030204" pitchFamily="34" charset="0"/>
+              </a:rPr>
+              <a:t>ClientRequests</a:t>
             </a:r>
             <a:r>
               <a:rPr lang="en-US" sz="4000" b="0" dirty="0">
@@ -33378,12 +33386,20 @@
               <a:t>Server Example Explanation </a:t>
             </a:r>
             <a:r>
-              <a:rPr lang="tr-TR" sz="4000" b="0" dirty="0">
-                <a:effectLst/>
-                <a:latin typeface="Calibri" panose="020F0502020204030204" pitchFamily="34" charset="0"/>
-                <a:cs typeface="Calibri" panose="020F0502020204030204" pitchFamily="34" charset="0"/>
-              </a:rPr>
-              <a:t>ProcessClientRequests</a:t>
+              <a:rPr lang="en-US" sz="4000" b="0" dirty="0">
+                <a:effectLst/>
+                <a:latin typeface="Calibri" panose="020F0502020204030204" pitchFamily="34" charset="0"/>
+                <a:cs typeface="Calibri" panose="020F0502020204030204" pitchFamily="34" charset="0"/>
+              </a:rPr>
+              <a:t>new</a:t>
+            </a:r>
+            <a:r>
+              <a:rPr lang="tr-TR" sz="4000" b="0" dirty="0" err="1">
+                <a:effectLst/>
+                <a:latin typeface="Calibri" panose="020F0502020204030204" pitchFamily="34" charset="0"/>
+                <a:cs typeface="Calibri" panose="020F0502020204030204" pitchFamily="34" charset="0"/>
+              </a:rPr>
+              <a:t>ClientRequests</a:t>
             </a:r>
             <a:r>
               <a:rPr lang="en-US" sz="4000" b="0" dirty="0">
@@ -35354,12 +35370,20 @@
               <a:t>Server Example Explanation </a:t>
             </a:r>
             <a:r>
-              <a:rPr lang="tr-TR" sz="4000" b="0" dirty="0">
-                <a:effectLst/>
-                <a:latin typeface="Calibri" panose="020F0502020204030204" pitchFamily="34" charset="0"/>
-                <a:cs typeface="Calibri" panose="020F0502020204030204" pitchFamily="34" charset="0"/>
-              </a:rPr>
-              <a:t>ProcessClientRequests</a:t>
+              <a:rPr lang="en-US" sz="4000" b="0" dirty="0">
+                <a:effectLst/>
+                <a:latin typeface="Calibri" panose="020F0502020204030204" pitchFamily="34" charset="0"/>
+                <a:cs typeface="Calibri" panose="020F0502020204030204" pitchFamily="34" charset="0"/>
+              </a:rPr>
+              <a:t>new</a:t>
+            </a:r>
+            <a:r>
+              <a:rPr lang="tr-TR" sz="4000" b="0" dirty="0" err="1">
+                <a:effectLst/>
+                <a:latin typeface="Calibri" panose="020F0502020204030204" pitchFamily="34" charset="0"/>
+                <a:cs typeface="Calibri" panose="020F0502020204030204" pitchFamily="34" charset="0"/>
+              </a:rPr>
+              <a:t>ClientRequests</a:t>
             </a:r>
             <a:r>
               <a:rPr lang="en-US" sz="4000" b="0" dirty="0">
@@ -38565,7 +38589,7 @@
           <p:nvPr/>
         </p:nvPicPr>
         <p:blipFill>
-          <a:blip r:embed="rId2">
+          <a:blip r:embed="rId2" cstate="print">
             <a:extLst>
               <a:ext uri="{28A0092B-C50C-407E-A947-70E740481C1C}">
                 <a14:useLocalDpi xmlns:a14="http://schemas.microsoft.com/office/drawing/2010/main" val="0"/>
@@ -38741,7 +38765,7 @@
           <p:nvPr/>
         </p:nvPicPr>
         <p:blipFill>
-          <a:blip r:embed="rId2">
+          <a:blip r:embed="rId2" cstate="print">
             <a:extLst>
               <a:ext uri="{28A0092B-C50C-407E-A947-70E740481C1C}">
                 <a14:useLocalDpi xmlns:a14="http://schemas.microsoft.com/office/drawing/2010/main" val="0"/>
